--- a/docs/Slide Deck.pptx
+++ b/docs/Slide Deck.pptx
@@ -1207,7 +1207,7 @@
   <p:cSld>
     <p:spTree>
       <p:nvGrpSpPr>
-        <p:cNvPr id="106" name="Shape 106"/>
+        <p:cNvPr id="114" name="Shape 114"/>
         <p:cNvGrpSpPr/>
         <p:nvPr/>
       </p:nvGrpSpPr>
@@ -1221,7 +1221,7 @@
       </p:grpSpPr>
       <p:sp>
         <p:nvSpPr>
-          <p:cNvPr id="107" name="Google Shape;107;g8c38448ea7_1_6:notes"/>
+          <p:cNvPr id="115" name="Google Shape;115;g8c38448ea7_1_6:notes"/>
           <p:cNvSpPr/>
           <p:nvPr>
             <p:ph idx="2" type="sldImg"/>
@@ -1256,7 +1256,7 @@
       </p:sp>
       <p:sp>
         <p:nvSpPr>
-          <p:cNvPr id="108" name="Google Shape;108;g8c38448ea7_1_6:notes"/>
+          <p:cNvPr id="116" name="Google Shape;116;g8c38448ea7_1_6:notes"/>
           <p:cNvSpPr txBox="1"/>
           <p:nvPr>
             <p:ph idx="1" type="body"/>
@@ -8690,7 +8690,7 @@
         </p:nvSpPr>
         <p:spPr>
           <a:xfrm>
-            <a:off x="3392850" y="1429875"/>
+            <a:off x="3392850" y="82425"/>
             <a:ext cx="2358300" cy="455400"/>
           </a:xfrm>
           <a:prstGeom prst="rect">
@@ -8742,7 +8742,7 @@
         </p:nvSpPr>
         <p:spPr>
           <a:xfrm>
-            <a:off x="1902000" y="2358300"/>
+            <a:off x="1902000" y="634150"/>
             <a:ext cx="5340000" cy="426900"/>
           </a:xfrm>
           <a:prstGeom prst="rect">
@@ -8781,6 +8781,230 @@
           </a:p>
         </p:txBody>
       </p:sp>
+      <p:pic>
+        <p:nvPicPr>
+          <p:cNvPr id="106" name="Google Shape;106;p17"/>
+          <p:cNvPicPr preferRelativeResize="0"/>
+          <p:nvPr/>
+        </p:nvPicPr>
+        <p:blipFill>
+          <a:blip r:embed="rId4">
+            <a:alphaModFix/>
+          </a:blip>
+          <a:stretch>
+            <a:fillRect/>
+          </a:stretch>
+        </p:blipFill>
+        <p:spPr>
+          <a:xfrm>
+            <a:off x="3513950" y="3698050"/>
+            <a:ext cx="1621804" cy="1204300"/>
+          </a:xfrm>
+          <a:prstGeom prst="rect">
+            <a:avLst/>
+          </a:prstGeom>
+          <a:noFill/>
+          <a:ln>
+            <a:noFill/>
+          </a:ln>
+        </p:spPr>
+      </p:pic>
+      <p:pic>
+        <p:nvPicPr>
+          <p:cNvPr id="107" name="Google Shape;107;p17"/>
+          <p:cNvPicPr preferRelativeResize="0"/>
+          <p:nvPr/>
+        </p:nvPicPr>
+        <p:blipFill>
+          <a:blip r:embed="rId5">
+            <a:alphaModFix/>
+          </a:blip>
+          <a:stretch>
+            <a:fillRect/>
+          </a:stretch>
+        </p:blipFill>
+        <p:spPr>
+          <a:xfrm>
+            <a:off x="305155" y="2379550"/>
+            <a:ext cx="2645570" cy="1204300"/>
+          </a:xfrm>
+          <a:prstGeom prst="rect">
+            <a:avLst/>
+          </a:prstGeom>
+          <a:noFill/>
+          <a:ln>
+            <a:noFill/>
+          </a:ln>
+        </p:spPr>
+      </p:pic>
+      <p:pic>
+        <p:nvPicPr>
+          <p:cNvPr id="108" name="Google Shape;108;p17"/>
+          <p:cNvPicPr preferRelativeResize="0"/>
+          <p:nvPr/>
+        </p:nvPicPr>
+        <p:blipFill>
+          <a:blip r:embed="rId6">
+            <a:alphaModFix/>
+          </a:blip>
+          <a:stretch>
+            <a:fillRect/>
+          </a:stretch>
+        </p:blipFill>
+        <p:spPr>
+          <a:xfrm>
+            <a:off x="325988" y="3698050"/>
+            <a:ext cx="2603900" cy="1204300"/>
+          </a:xfrm>
+          <a:prstGeom prst="rect">
+            <a:avLst/>
+          </a:prstGeom>
+          <a:noFill/>
+          <a:ln>
+            <a:noFill/>
+          </a:ln>
+        </p:spPr>
+      </p:pic>
+      <p:pic>
+        <p:nvPicPr>
+          <p:cNvPr id="109" name="Google Shape;109;p17"/>
+          <p:cNvPicPr preferRelativeResize="0"/>
+          <p:nvPr/>
+        </p:nvPicPr>
+        <p:blipFill>
+          <a:blip r:embed="rId7">
+            <a:alphaModFix/>
+          </a:blip>
+          <a:stretch>
+            <a:fillRect/>
+          </a:stretch>
+        </p:blipFill>
+        <p:spPr>
+          <a:xfrm>
+            <a:off x="3112245" y="2531250"/>
+            <a:ext cx="2919516" cy="1204300"/>
+          </a:xfrm>
+          <a:prstGeom prst="rect">
+            <a:avLst/>
+          </a:prstGeom>
+          <a:noFill/>
+          <a:ln>
+            <a:noFill/>
+          </a:ln>
+        </p:spPr>
+      </p:pic>
+      <p:pic>
+        <p:nvPicPr>
+          <p:cNvPr id="110" name="Google Shape;110;p17"/>
+          <p:cNvPicPr preferRelativeResize="0"/>
+          <p:nvPr/>
+        </p:nvPicPr>
+        <p:blipFill>
+          <a:blip r:embed="rId8">
+            <a:alphaModFix/>
+          </a:blip>
+          <a:stretch>
+            <a:fillRect/>
+          </a:stretch>
+        </p:blipFill>
+        <p:spPr>
+          <a:xfrm>
+            <a:off x="5809175" y="1061047"/>
+            <a:ext cx="3029686" cy="1204300"/>
+          </a:xfrm>
+          <a:prstGeom prst="rect">
+            <a:avLst/>
+          </a:prstGeom>
+          <a:noFill/>
+          <a:ln>
+            <a:noFill/>
+          </a:ln>
+        </p:spPr>
+      </p:pic>
+      <p:pic>
+        <p:nvPicPr>
+          <p:cNvPr id="111" name="Google Shape;111;p17"/>
+          <p:cNvPicPr preferRelativeResize="0"/>
+          <p:nvPr/>
+        </p:nvPicPr>
+        <p:blipFill>
+          <a:blip r:embed="rId9">
+            <a:alphaModFix/>
+          </a:blip>
+          <a:stretch>
+            <a:fillRect/>
+          </a:stretch>
+        </p:blipFill>
+        <p:spPr>
+          <a:xfrm>
+            <a:off x="3132473" y="1061050"/>
+            <a:ext cx="2384752" cy="1204300"/>
+          </a:xfrm>
+          <a:prstGeom prst="rect">
+            <a:avLst/>
+          </a:prstGeom>
+          <a:noFill/>
+          <a:ln>
+            <a:noFill/>
+          </a:ln>
+        </p:spPr>
+      </p:pic>
+      <p:pic>
+        <p:nvPicPr>
+          <p:cNvPr id="112" name="Google Shape;112;p17"/>
+          <p:cNvPicPr preferRelativeResize="0"/>
+          <p:nvPr/>
+        </p:nvPicPr>
+        <p:blipFill>
+          <a:blip r:embed="rId10">
+            <a:alphaModFix/>
+          </a:blip>
+          <a:stretch>
+            <a:fillRect/>
+          </a:stretch>
+        </p:blipFill>
+        <p:spPr>
+          <a:xfrm>
+            <a:off x="6275313" y="2531250"/>
+            <a:ext cx="2097400" cy="2374391"/>
+          </a:xfrm>
+          <a:prstGeom prst="rect">
+            <a:avLst/>
+          </a:prstGeom>
+          <a:noFill/>
+          <a:ln>
+            <a:noFill/>
+          </a:ln>
+        </p:spPr>
+      </p:pic>
+      <p:pic>
+        <p:nvPicPr>
+          <p:cNvPr id="113" name="Google Shape;113;p17"/>
+          <p:cNvPicPr preferRelativeResize="0"/>
+          <p:nvPr/>
+        </p:nvPicPr>
+        <p:blipFill>
+          <a:blip r:embed="rId11">
+            <a:alphaModFix/>
+          </a:blip>
+          <a:stretch>
+            <a:fillRect/>
+          </a:stretch>
+        </p:blipFill>
+        <p:spPr>
+          <a:xfrm>
+            <a:off x="305157" y="1061050"/>
+            <a:ext cx="2535368" cy="1204300"/>
+          </a:xfrm>
+          <a:prstGeom prst="rect">
+            <a:avLst/>
+          </a:prstGeom>
+          <a:noFill/>
+          <a:ln>
+            <a:noFill/>
+          </a:ln>
+        </p:spPr>
+      </p:pic>
     </p:spTree>
   </p:cSld>
   <p:clrMapOvr>
@@ -8801,7 +9025,7 @@
     </p:bg>
     <p:spTree>
       <p:nvGrpSpPr>
-        <p:cNvPr id="109" name="Shape 109"/>
+        <p:cNvPr id="117" name="Shape 117"/>
         <p:cNvGrpSpPr/>
         <p:nvPr/>
       </p:nvGrpSpPr>
@@ -8815,7 +9039,7 @@
       </p:grpSpPr>
       <p:pic>
         <p:nvPicPr>
-          <p:cNvPr id="110" name="Google Shape;110;p18"/>
+          <p:cNvPr id="118" name="Google Shape;118;p18"/>
           <p:cNvPicPr preferRelativeResize="0"/>
           <p:nvPr/>
         </p:nvPicPr>
